--- a/ppt_training.pptx
+++ b/ppt_training.pptx
@@ -111,7 +111,56 @@
       </a:defRPr>
     </a:lvl9pPr>
   </p:defaultTextStyle>
+  <p:extLst>
+    <p:ext uri="{EFAFB233-063F-42B5-8137-9DF3F51BA10A}">
+      <p15:sldGuideLst xmlns:p15="http://schemas.microsoft.com/office/powerpoint/2012/main"/>
+    </p:ext>
+  </p:extLst>
 </p:presentation>
+</file>
+
+<file path=ppt/changesInfos/changesInfo1.xml><?xml version="1.0" encoding="utf-8"?>
+<pc:chgInfo xmlns:a="http://schemas.openxmlformats.org/drawingml/2006/main" xmlns:r="http://schemas.openxmlformats.org/officeDocument/2006/relationships" xmlns:ac="http://schemas.microsoft.com/office/drawing/2013/main/command" xmlns:pc="http://schemas.microsoft.com/office/powerpoint/2013/main/command">
+  <pc:docChgLst>
+    <pc:chgData name="Higuera Mendieta,Diana" userId="8fa8161e-d14c-405a-824b-0f1bf2d27dde" providerId="ADAL" clId="{58DEC142-4FD2-485F-9580-1016C592876B}"/>
+    <pc:docChg chg="modSld">
+      <pc:chgData name="Higuera Mendieta,Diana" userId="8fa8161e-d14c-405a-824b-0f1bf2d27dde" providerId="ADAL" clId="{58DEC142-4FD2-485F-9580-1016C592876B}" dt="2024-04-03T18:58:21.068" v="83"/>
+      <pc:docMkLst>
+        <pc:docMk/>
+      </pc:docMkLst>
+      <pc:sldChg chg="modSp mod">
+        <pc:chgData name="Higuera Mendieta,Diana" userId="8fa8161e-d14c-405a-824b-0f1bf2d27dde" providerId="ADAL" clId="{58DEC142-4FD2-485F-9580-1016C592876B}" dt="2024-04-03T18:38:06.890" v="82" actId="20577"/>
+        <pc:sldMkLst>
+          <pc:docMk/>
+          <pc:sldMk cId="1553380918" sldId="256"/>
+        </pc:sldMkLst>
+        <pc:spChg chg="mod">
+          <ac:chgData name="Higuera Mendieta,Diana" userId="8fa8161e-d14c-405a-824b-0f1bf2d27dde" providerId="ADAL" clId="{58DEC142-4FD2-485F-9580-1016C592876B}" dt="2024-04-03T18:37:50.137" v="6"/>
+          <ac:spMkLst>
+            <pc:docMk/>
+            <pc:sldMk cId="1553380918" sldId="256"/>
+            <ac:spMk id="2" creationId="{3A722ADD-A315-9691-3382-6BB121CBCFF9}"/>
+          </ac:spMkLst>
+        </pc:spChg>
+        <pc:spChg chg="mod">
+          <ac:chgData name="Higuera Mendieta,Diana" userId="8fa8161e-d14c-405a-824b-0f1bf2d27dde" providerId="ADAL" clId="{58DEC142-4FD2-485F-9580-1016C592876B}" dt="2024-04-03T18:38:06.890" v="82" actId="20577"/>
+          <ac:spMkLst>
+            <pc:docMk/>
+            <pc:sldMk cId="1553380918" sldId="256"/>
+            <ac:spMk id="3" creationId="{1B935248-5A8B-0910-AC73-AC72B7E44052}"/>
+          </ac:spMkLst>
+        </pc:spChg>
+      </pc:sldChg>
+      <pc:sldChg chg="modNotesTx">
+        <pc:chgData name="Higuera Mendieta,Diana" userId="8fa8161e-d14c-405a-824b-0f1bf2d27dde" providerId="ADAL" clId="{58DEC142-4FD2-485F-9580-1016C592876B}" dt="2024-04-03T18:58:21.068" v="83"/>
+        <pc:sldMkLst>
+          <pc:docMk/>
+          <pc:sldMk cId="1669306505" sldId="257"/>
+        </pc:sldMkLst>
+      </pc:sldChg>
+    </pc:docChg>
+  </pc:docChgLst>
+</pc:chgInfo>
 </file>
 
 <file path=ppt/notesMasters/notesMaster1.xml><?xml version="1.0" encoding="utf-8"?>
@@ -196,7 +245,7 @@
           <a:p>
             <a:fld id="{5C04E698-A476-408A-A460-69E531CF2227}" type="datetimeFigureOut">
               <a:rPr lang="en-US" smtClean="0"/>
-              <a:t>4/2/2024</a:t>
+              <a:t>4/3/2024</a:t>
             </a:fld>
             <a:endParaRPr lang="en-US"/>
           </a:p>
@@ -508,6 +557,191 @@
           <a:lstStyle/>
           <a:p>
             <a:r>
+              <a:rPr lang="en-US" dirty="0">
+                <a:effectLst/>
+                <a:latin typeface="Segoe UI" panose="020B0502040204020203" pitchFamily="34" charset="0"/>
+              </a:rPr>
+              <a:t>Asks for attendees:</a:t>
+            </a:r>
+            <a:br>
+              <a:rPr lang="en-US" dirty="0">
+                <a:effectLst/>
+                <a:latin typeface="Segoe UI" panose="020B0502040204020203" pitchFamily="34" charset="0"/>
+              </a:rPr>
+            </a:br>
+            <a:r>
+              <a:rPr lang="en-US" dirty="0">
+                <a:effectLst/>
+                <a:latin typeface="Segoe UI" panose="020B0502040204020203" pitchFamily="34" charset="0"/>
+              </a:rPr>
+              <a:t>1. Download Studio</a:t>
+            </a:r>
+            <a:br>
+              <a:rPr lang="en-US" dirty="0">
+                <a:effectLst/>
+                <a:latin typeface="Segoe UI" panose="020B0502040204020203" pitchFamily="34" charset="0"/>
+              </a:rPr>
+            </a:br>
+            <a:r>
+              <a:rPr lang="en-US" dirty="0">
+                <a:effectLst/>
+                <a:latin typeface="Segoe UI" panose="020B0502040204020203" pitchFamily="34" charset="0"/>
+              </a:rPr>
+              <a:t>2. Create </a:t>
+            </a:r>
+            <a:r>
+              <a:rPr lang="en-US" dirty="0" err="1">
+                <a:effectLst/>
+                <a:latin typeface="Segoe UI" panose="020B0502040204020203" pitchFamily="34" charset="0"/>
+              </a:rPr>
+              <a:t>Github</a:t>
+            </a:r>
+            <a:r>
+              <a:rPr lang="en-US" dirty="0">
+                <a:effectLst/>
+                <a:latin typeface="Segoe UI" panose="020B0502040204020203" pitchFamily="34" charset="0"/>
+              </a:rPr>
+              <a:t> account</a:t>
+            </a:r>
+            <a:br>
+              <a:rPr lang="en-US" dirty="0">
+                <a:effectLst/>
+                <a:latin typeface="Segoe UI" panose="020B0502040204020203" pitchFamily="34" charset="0"/>
+              </a:rPr>
+            </a:br>
+            <a:r>
+              <a:rPr lang="en-US" dirty="0">
+                <a:effectLst/>
+                <a:latin typeface="Segoe UI" panose="020B0502040204020203" pitchFamily="34" charset="0"/>
+              </a:rPr>
+              <a:t>3. Download </a:t>
+            </a:r>
+            <a:r>
+              <a:rPr lang="en-US" dirty="0" err="1">
+                <a:effectLst/>
+                <a:latin typeface="Segoe UI" panose="020B0502040204020203" pitchFamily="34" charset="0"/>
+              </a:rPr>
+              <a:t>Github</a:t>
+            </a:r>
+            <a:r>
+              <a:rPr lang="en-US" dirty="0">
+                <a:effectLst/>
+                <a:latin typeface="Segoe UI" panose="020B0502040204020203" pitchFamily="34" charset="0"/>
+              </a:rPr>
+              <a:t> desktop (and Git?? Or does this happen with </a:t>
+            </a:r>
+            <a:r>
+              <a:rPr lang="en-US" dirty="0" err="1">
+                <a:effectLst/>
+                <a:latin typeface="Segoe UI" panose="020B0502040204020203" pitchFamily="34" charset="0"/>
+              </a:rPr>
+              <a:t>Github</a:t>
+            </a:r>
+            <a:r>
+              <a:rPr lang="en-US" dirty="0">
+                <a:effectLst/>
+                <a:latin typeface="Segoe UI" panose="020B0502040204020203" pitchFamily="34" charset="0"/>
+              </a:rPr>
+              <a:t> desktop)</a:t>
+            </a:r>
+            <a:br>
+              <a:rPr lang="en-US" dirty="0">
+                <a:effectLst/>
+                <a:latin typeface="Segoe UI" panose="020B0502040204020203" pitchFamily="34" charset="0"/>
+              </a:rPr>
+            </a:br>
+            <a:r>
+              <a:rPr lang="en-US" dirty="0">
+                <a:effectLst/>
+                <a:latin typeface="Segoe UI" panose="020B0502040204020203" pitchFamily="34" charset="0"/>
+              </a:rPr>
+              <a:t>4. (Optional) come prepared with your own R code and dataset</a:t>
+            </a:r>
+            <a:endParaRPr lang="en-US" dirty="0"/>
+          </a:p>
+        </p:txBody>
+      </p:sp>
+      <p:sp>
+        <p:nvSpPr>
+          <p:cNvPr id="4" name="Slide Number Placeholder 3"/>
+          <p:cNvSpPr>
+            <a:spLocks noGrp="1"/>
+          </p:cNvSpPr>
+          <p:nvPr>
+            <p:ph type="sldNum" sz="quarter" idx="5"/>
+          </p:nvPr>
+        </p:nvSpPr>
+        <p:spPr/>
+        <p:txBody>
+          <a:bodyPr/>
+          <a:lstStyle/>
+          <a:p>
+            <a:fld id="{A55D1E84-E5B6-454C-A0CB-8566ACD0654E}" type="slidenum">
+              <a:rPr lang="en-US" smtClean="0"/>
+              <a:t>3</a:t>
+            </a:fld>
+            <a:endParaRPr lang="en-US"/>
+          </a:p>
+        </p:txBody>
+      </p:sp>
+    </p:spTree>
+    <p:extLst>
+      <p:ext uri="{BB962C8B-B14F-4D97-AF65-F5344CB8AC3E}">
+        <p14:creationId xmlns:p14="http://schemas.microsoft.com/office/powerpoint/2010/main" val="226393728"/>
+      </p:ext>
+    </p:extLst>
+  </p:cSld>
+  <p:clrMapOvr>
+    <a:masterClrMapping/>
+  </p:clrMapOvr>
+</p:notes>
+</file>
+
+<file path=ppt/notesSlides/notesSlide2.xml><?xml version="1.0" encoding="utf-8"?>
+<p:notes xmlns:a="http://schemas.openxmlformats.org/drawingml/2006/main" xmlns:r="http://schemas.openxmlformats.org/officeDocument/2006/relationships" xmlns:p="http://schemas.openxmlformats.org/presentationml/2006/main">
+  <p:cSld>
+    <p:spTree>
+      <p:nvGrpSpPr>
+        <p:cNvPr id="1" name=""/>
+        <p:cNvGrpSpPr/>
+        <p:nvPr/>
+      </p:nvGrpSpPr>
+      <p:grpSpPr>
+        <a:xfrm>
+          <a:off x="0" y="0"/>
+          <a:ext cx="0" cy="0"/>
+          <a:chOff x="0" y="0"/>
+          <a:chExt cx="0" cy="0"/>
+        </a:xfrm>
+      </p:grpSpPr>
+      <p:sp>
+        <p:nvSpPr>
+          <p:cNvPr id="2" name="Slide Image Placeholder 1"/>
+          <p:cNvSpPr>
+            <a:spLocks noGrp="1" noRot="1" noChangeAspect="1"/>
+          </p:cNvSpPr>
+          <p:nvPr>
+            <p:ph type="sldImg"/>
+          </p:nvPr>
+        </p:nvSpPr>
+        <p:spPr/>
+      </p:sp>
+      <p:sp>
+        <p:nvSpPr>
+          <p:cNvPr id="3" name="Notes Placeholder 2"/>
+          <p:cNvSpPr>
+            <a:spLocks noGrp="1"/>
+          </p:cNvSpPr>
+          <p:nvPr>
+            <p:ph type="body" idx="1"/>
+          </p:nvPr>
+        </p:nvSpPr>
+        <p:spPr/>
+        <p:txBody>
+          <a:bodyPr/>
+          <a:lstStyle/>
+          <a:p>
+            <a:r>
               <a:rPr lang="en-US" dirty="0"/>
               <a:t>FOR DATA: https://domo-support.domo.com/s/article/360043931814?language=en_US</a:t>
             </a:r>
@@ -562,7 +796,7 @@
 </p:notes>
 </file>
 
-<file path=ppt/notesSlides/notesSlide2.xml><?xml version="1.0" encoding="utf-8"?>
+<file path=ppt/notesSlides/notesSlide3.xml><?xml version="1.0" encoding="utf-8"?>
 <p:notes xmlns:a="http://schemas.openxmlformats.org/drawingml/2006/main" xmlns:r="http://schemas.openxmlformats.org/officeDocument/2006/relationships" xmlns:p="http://schemas.openxmlformats.org/presentationml/2006/main">
   <p:cSld>
     <p:spTree>
@@ -839,7 +1073,7 @@
           <a:p>
             <a:fld id="{52563725-07E5-468E-A1E7-B49283097752}" type="datetimeFigureOut">
               <a:rPr lang="en-US" smtClean="0"/>
-              <a:t>4/2/2024</a:t>
+              <a:t>4/3/2024</a:t>
             </a:fld>
             <a:endParaRPr lang="en-US"/>
           </a:p>
@@ -1037,7 +1271,7 @@
           <a:p>
             <a:fld id="{52563725-07E5-468E-A1E7-B49283097752}" type="datetimeFigureOut">
               <a:rPr lang="en-US" smtClean="0"/>
-              <a:t>4/2/2024</a:t>
+              <a:t>4/3/2024</a:t>
             </a:fld>
             <a:endParaRPr lang="en-US"/>
           </a:p>
@@ -1245,7 +1479,7 @@
           <a:p>
             <a:fld id="{52563725-07E5-468E-A1E7-B49283097752}" type="datetimeFigureOut">
               <a:rPr lang="en-US" smtClean="0"/>
-              <a:t>4/2/2024</a:t>
+              <a:t>4/3/2024</a:t>
             </a:fld>
             <a:endParaRPr lang="en-US"/>
           </a:p>
@@ -1443,7 +1677,7 @@
           <a:p>
             <a:fld id="{52563725-07E5-468E-A1E7-B49283097752}" type="datetimeFigureOut">
               <a:rPr lang="en-US" smtClean="0"/>
-              <a:t>4/2/2024</a:t>
+              <a:t>4/3/2024</a:t>
             </a:fld>
             <a:endParaRPr lang="en-US"/>
           </a:p>
@@ -1718,7 +1952,7 @@
           <a:p>
             <a:fld id="{52563725-07E5-468E-A1E7-B49283097752}" type="datetimeFigureOut">
               <a:rPr lang="en-US" smtClean="0"/>
-              <a:t>4/2/2024</a:t>
+              <a:t>4/3/2024</a:t>
             </a:fld>
             <a:endParaRPr lang="en-US"/>
           </a:p>
@@ -1983,7 +2217,7 @@
           <a:p>
             <a:fld id="{52563725-07E5-468E-A1E7-B49283097752}" type="datetimeFigureOut">
               <a:rPr lang="en-US" smtClean="0"/>
-              <a:t>4/2/2024</a:t>
+              <a:t>4/3/2024</a:t>
             </a:fld>
             <a:endParaRPr lang="en-US"/>
           </a:p>
@@ -2395,7 +2629,7 @@
           <a:p>
             <a:fld id="{52563725-07E5-468E-A1E7-B49283097752}" type="datetimeFigureOut">
               <a:rPr lang="en-US" smtClean="0"/>
-              <a:t>4/2/2024</a:t>
+              <a:t>4/3/2024</a:t>
             </a:fld>
             <a:endParaRPr lang="en-US"/>
           </a:p>
@@ -2536,7 +2770,7 @@
           <a:p>
             <a:fld id="{52563725-07E5-468E-A1E7-B49283097752}" type="datetimeFigureOut">
               <a:rPr lang="en-US" smtClean="0"/>
-              <a:t>4/2/2024</a:t>
+              <a:t>4/3/2024</a:t>
             </a:fld>
             <a:endParaRPr lang="en-US"/>
           </a:p>
@@ -2649,7 +2883,7 @@
           <a:p>
             <a:fld id="{52563725-07E5-468E-A1E7-B49283097752}" type="datetimeFigureOut">
               <a:rPr lang="en-US" smtClean="0"/>
-              <a:t>4/2/2024</a:t>
+              <a:t>4/3/2024</a:t>
             </a:fld>
             <a:endParaRPr lang="en-US"/>
           </a:p>
@@ -2960,7 +3194,7 @@
           <a:p>
             <a:fld id="{52563725-07E5-468E-A1E7-B49283097752}" type="datetimeFigureOut">
               <a:rPr lang="en-US" smtClean="0"/>
-              <a:t>4/2/2024</a:t>
+              <a:t>4/3/2024</a:t>
             </a:fld>
             <a:endParaRPr lang="en-US"/>
           </a:p>
@@ -3248,7 +3482,7 @@
           <a:p>
             <a:fld id="{52563725-07E5-468E-A1E7-B49283097752}" type="datetimeFigureOut">
               <a:rPr lang="en-US" smtClean="0"/>
-              <a:t>4/2/2024</a:t>
+              <a:t>4/3/2024</a:t>
             </a:fld>
             <a:endParaRPr lang="en-US"/>
           </a:p>
@@ -3489,7 +3723,7 @@
           <a:p>
             <a:fld id="{52563725-07E5-468E-A1E7-B49283097752}" type="datetimeFigureOut">
               <a:rPr lang="en-US" smtClean="0"/>
-              <a:t>4/2/2024</a:t>
+              <a:t>4/3/2024</a:t>
             </a:fld>
             <a:endParaRPr lang="en-US"/>
           </a:p>
@@ -3927,7 +4161,47 @@
           <a:bodyPr/>
           <a:lstStyle/>
           <a:p>
-            <a:endParaRPr lang="en-US"/>
+            <a:pPr marL="0" marR="0">
+              <a:spcBef>
+                <a:spcPts val="0"/>
+              </a:spcBef>
+              <a:spcAft>
+                <a:spcPts val="0"/>
+              </a:spcAft>
+            </a:pPr>
+            <a:r>
+              <a:rPr lang="en-US" sz="1800" b="1" dirty="0">
+                <a:solidFill>
+                  <a:srgbClr val="002F6C"/>
+                </a:solidFill>
+                <a:effectLst/>
+                <a:latin typeface="Georgia" panose="02040502050405020303" pitchFamily="18" charset="0"/>
+                <a:ea typeface="Times New Roman" panose="02020603050405020304" pitchFamily="18" charset="0"/>
+                <a:cs typeface="Helvetica" panose="020B0604020202020204" pitchFamily="34" charset="0"/>
+              </a:rPr>
+              <a:t>Skill Building Series #2</a:t>
+            </a:r>
+            <a:br>
+              <a:rPr lang="en-US" sz="1800" dirty="0">
+                <a:effectLst/>
+                <a:latin typeface="Aptos" panose="020B0004020202020204" pitchFamily="34" charset="0"/>
+                <a:ea typeface="Aptos" panose="020B0004020202020204" pitchFamily="34" charset="0"/>
+                <a:cs typeface="Aptos" panose="020B0004020202020204" pitchFamily="34" charset="0"/>
+              </a:rPr>
+            </a:br>
+            <a:r>
+              <a:rPr lang="en-US" sz="1800" b="1" dirty="0">
+                <a:solidFill>
+                  <a:srgbClr val="002F6C"/>
+                </a:solidFill>
+                <a:effectLst/>
+                <a:latin typeface="Georgia" panose="02040502050405020303" pitchFamily="18" charset="0"/>
+                <a:ea typeface="Times New Roman" panose="02020603050405020304" pitchFamily="18" charset="0"/>
+                <a:cs typeface="Helvetica" panose="020B0604020202020204" pitchFamily="34" charset="0"/>
+              </a:rPr>
+              <a:t>GitHub &amp; R: Hands-on Workshop</a:t>
+            </a:r>
+            <a:endParaRPr lang="en-US" dirty="0"/>
           </a:p>
         </p:txBody>
       </p:sp>
@@ -3952,7 +4226,16 @@
           <a:bodyPr/>
           <a:lstStyle/>
           <a:p>
-            <a:endParaRPr lang="en-US"/>
+            <a:r>
+              <a:rPr lang="en-US" dirty="0"/>
+              <a:t>Ana Lucia Peralta Garcia</a:t>
+            </a:r>
+          </a:p>
+          <a:p>
+            <a:r>
+              <a:rPr lang="en-US" dirty="0"/>
+              <a:t>Diana Higuera Mendieta </a:t>
+            </a:r>
           </a:p>
         </p:txBody>
       </p:sp>
